--- a/scratch-leapmotion/instructions/en/Scratch - Basketball.pptx
+++ b/scratch-leapmotion/instructions/en/Scratch - Basketball.pptx
@@ -204,7 +204,7 @@
             <a:fld id="{FD5240AD-D0E5-8743-BED0-4875EEDE37D1}" type="datetimeFigureOut">
               <a:rPr lang="en-US" smtClean="0"/>
               <a:pPr/>
-              <a:t>10/20/2015</a:t>
+              <a:t>03-11-15</a:t>
             </a:fld>
             <a:endParaRPr lang="en-US"/>
           </a:p>
@@ -280,7 +280,7 @@
     </p:spTree>
     <p:extLst>
       <p:ext uri="{BB962C8B-B14F-4D97-AF65-F5344CB8AC3E}">
-        <p14:creationId xmlns:p14="http://schemas.microsoft.com/office/powerpoint/2010/main" xmlns="" val="1134862378"/>
+        <p14:creationId xmlns:p14="http://schemas.microsoft.com/office/powerpoint/2010/main" val="1134862378"/>
       </p:ext>
     </p:extLst>
   </p:cSld>
@@ -372,7 +372,7 @@
             <a:fld id="{59F1AF83-5EC3-2645-9357-E8053F4E6264}" type="datetimeFigureOut">
               <a:rPr lang="en-US" smtClean="0"/>
               <a:pPr/>
-              <a:t>10/20/2015</a:t>
+              <a:t>03-11-15</a:t>
             </a:fld>
             <a:endParaRPr lang="en-US"/>
           </a:p>
@@ -541,7 +541,7 @@
     </p:spTree>
     <p:extLst>
       <p:ext uri="{BB962C8B-B14F-4D97-AF65-F5344CB8AC3E}">
-        <p14:creationId xmlns:p14="http://schemas.microsoft.com/office/powerpoint/2010/main" xmlns="" val="1365465393"/>
+        <p14:creationId xmlns:p14="http://schemas.microsoft.com/office/powerpoint/2010/main" val="1365465393"/>
       </p:ext>
     </p:extLst>
   </p:cSld>
@@ -1007,7 +1007,7 @@
     </p:spTree>
     <p:extLst>
       <p:ext uri="{BB962C8B-B14F-4D97-AF65-F5344CB8AC3E}">
-        <p14:creationId xmlns:p14="http://schemas.microsoft.com/office/powerpoint/2010/main" xmlns="" val="2847377317"/>
+        <p14:creationId xmlns:p14="http://schemas.microsoft.com/office/powerpoint/2010/main" val="2847377317"/>
       </p:ext>
     </p:extLst>
   </p:cSld>
@@ -1261,7 +1261,7 @@
     </p:spTree>
     <p:extLst>
       <p:ext uri="{BB962C8B-B14F-4D97-AF65-F5344CB8AC3E}">
-        <p14:creationId xmlns:p14="http://schemas.microsoft.com/office/powerpoint/2010/main" xmlns="" val="4045415911"/>
+        <p14:creationId xmlns:p14="http://schemas.microsoft.com/office/powerpoint/2010/main" val="4045415911"/>
       </p:ext>
     </p:extLst>
   </p:cSld>
@@ -1515,7 +1515,7 @@
     </p:spTree>
     <p:extLst>
       <p:ext uri="{BB962C8B-B14F-4D97-AF65-F5344CB8AC3E}">
-        <p14:creationId xmlns:p14="http://schemas.microsoft.com/office/powerpoint/2010/main" xmlns="" val="2032194607"/>
+        <p14:creationId xmlns:p14="http://schemas.microsoft.com/office/powerpoint/2010/main" val="2032194607"/>
       </p:ext>
     </p:extLst>
   </p:cSld>
@@ -1838,7 +1838,7 @@
     </p:spTree>
     <p:extLst>
       <p:ext uri="{BB962C8B-B14F-4D97-AF65-F5344CB8AC3E}">
-        <p14:creationId xmlns:p14="http://schemas.microsoft.com/office/powerpoint/2010/main" xmlns="" val="3997746730"/>
+        <p14:creationId xmlns:p14="http://schemas.microsoft.com/office/powerpoint/2010/main" val="3997746730"/>
       </p:ext>
     </p:extLst>
   </p:cSld>
@@ -2208,7 +2208,7 @@
     </p:spTree>
     <p:extLst>
       <p:ext uri="{BB962C8B-B14F-4D97-AF65-F5344CB8AC3E}">
-        <p14:creationId xmlns:p14="http://schemas.microsoft.com/office/powerpoint/2010/main" xmlns="" val="2934564293"/>
+        <p14:creationId xmlns:p14="http://schemas.microsoft.com/office/powerpoint/2010/main" val="2934564293"/>
       </p:ext>
     </p:extLst>
   </p:cSld>
@@ -2714,7 +2714,7 @@
     </p:spTree>
     <p:extLst>
       <p:ext uri="{BB962C8B-B14F-4D97-AF65-F5344CB8AC3E}">
-        <p14:creationId xmlns:p14="http://schemas.microsoft.com/office/powerpoint/2010/main" xmlns="" val="2753944453"/>
+        <p14:creationId xmlns:p14="http://schemas.microsoft.com/office/powerpoint/2010/main" val="2753944453"/>
       </p:ext>
     </p:extLst>
   </p:cSld>
@@ -2908,7 +2908,7 @@
     </p:spTree>
     <p:extLst>
       <p:ext uri="{BB962C8B-B14F-4D97-AF65-F5344CB8AC3E}">
-        <p14:creationId xmlns:p14="http://schemas.microsoft.com/office/powerpoint/2010/main" xmlns="" val="697045468"/>
+        <p14:creationId xmlns:p14="http://schemas.microsoft.com/office/powerpoint/2010/main" val="697045468"/>
       </p:ext>
     </p:extLst>
   </p:cSld>
@@ -3071,7 +3071,7 @@
     </p:spTree>
     <p:extLst>
       <p:ext uri="{BB962C8B-B14F-4D97-AF65-F5344CB8AC3E}">
-        <p14:creationId xmlns:p14="http://schemas.microsoft.com/office/powerpoint/2010/main" xmlns="" val="414296510"/>
+        <p14:creationId xmlns:p14="http://schemas.microsoft.com/office/powerpoint/2010/main" val="414296510"/>
       </p:ext>
     </p:extLst>
   </p:cSld>
@@ -3425,7 +3425,7 @@
     </p:spTree>
     <p:extLst>
       <p:ext uri="{BB962C8B-B14F-4D97-AF65-F5344CB8AC3E}">
-        <p14:creationId xmlns:p14="http://schemas.microsoft.com/office/powerpoint/2010/main" xmlns="" val="344294572"/>
+        <p14:creationId xmlns:p14="http://schemas.microsoft.com/office/powerpoint/2010/main" val="344294572"/>
       </p:ext>
     </p:extLst>
   </p:cSld>
@@ -3755,7 +3755,7 @@
     </p:spTree>
     <p:extLst>
       <p:ext uri="{BB962C8B-B14F-4D97-AF65-F5344CB8AC3E}">
-        <p14:creationId xmlns:p14="http://schemas.microsoft.com/office/powerpoint/2010/main" xmlns="" val="1845100671"/>
+        <p14:creationId xmlns:p14="http://schemas.microsoft.com/office/powerpoint/2010/main" val="1845100671"/>
       </p:ext>
     </p:extLst>
   </p:cSld>
@@ -3790,7 +3790,7 @@
     </p:spTree>
     <p:extLst>
       <p:ext uri="{BB962C8B-B14F-4D97-AF65-F5344CB8AC3E}">
-        <p14:creationId xmlns:p14="http://schemas.microsoft.com/office/powerpoint/2010/main" xmlns="" val="1462244568"/>
+        <p14:creationId xmlns:p14="http://schemas.microsoft.com/office/powerpoint/2010/main" val="1462244568"/>
       </p:ext>
     </p:extLst>
   </p:cSld>
@@ -4090,7 +4090,7 @@
           <a:blip r:embed="rId2">
             <a:extLst>
               <a:ext uri="{28A0092B-C50C-407E-A947-70E740481C1C}">
-                <a14:useLocalDpi xmlns:a14="http://schemas.microsoft.com/office/drawing/2010/main" xmlns="" val="0"/>
+                <a14:useLocalDpi xmlns:a14="http://schemas.microsoft.com/office/drawing/2010/main" val="0"/>
               </a:ext>
             </a:extLst>
           </a:blip>
@@ -4110,7 +4110,7 @@
           <a:noFill/>
           <a:extLst>
             <a:ext uri="{909E8E84-426E-40dd-AFC4-6F175D3DCCD1}">
-              <a14:hiddenFill xmlns:a14="http://schemas.microsoft.com/office/drawing/2010/main" xmlns="">
+              <a14:hiddenFill xmlns:a14="http://schemas.microsoft.com/office/drawing/2010/main">
                 <a:solidFill>
                   <a:srgbClr val="FFFFFF"/>
                 </a:solidFill>
@@ -4131,7 +4131,7 @@
           <a:blip r:embed="rId3">
             <a:extLst>
               <a:ext uri="{28A0092B-C50C-407E-A947-70E740481C1C}">
-                <a14:useLocalDpi xmlns:a14="http://schemas.microsoft.com/office/drawing/2010/main" xmlns="" val="0"/>
+                <a14:useLocalDpi xmlns:a14="http://schemas.microsoft.com/office/drawing/2010/main" val="0"/>
               </a:ext>
             </a:extLst>
           </a:blip>
@@ -4151,7 +4151,7 @@
           <a:noFill/>
           <a:extLst>
             <a:ext uri="{909E8E84-426E-40dd-AFC4-6F175D3DCCD1}">
-              <a14:hiddenFill xmlns:a14="http://schemas.microsoft.com/office/drawing/2010/main" xmlns="">
+              <a14:hiddenFill xmlns:a14="http://schemas.microsoft.com/office/drawing/2010/main">
                 <a:solidFill>
                   <a:srgbClr val="FFFFFF"/>
                 </a:solidFill>
@@ -4186,7 +4186,7 @@
     </p:spTree>
     <p:extLst>
       <p:ext uri="{BB962C8B-B14F-4D97-AF65-F5344CB8AC3E}">
-        <p14:creationId xmlns:p14="http://schemas.microsoft.com/office/powerpoint/2010/main" xmlns="" val="2115757924"/>
+        <p14:creationId xmlns:p14="http://schemas.microsoft.com/office/powerpoint/2010/main" val="2115757924"/>
       </p:ext>
     </p:extLst>
   </p:cSld>
@@ -4196,7 +4196,7 @@
   <p:timing>
     <p:tnLst>
       <p:par>
-        <p:cTn id="1" dur="indefinite" restart="never" nodeType="tmRoot"/>
+        <p:cTn xmlns:p14="http://schemas.microsoft.com/office/powerpoint/2010/main" id="1" dur="indefinite" restart="never" nodeType="tmRoot"/>
       </p:par>
     </p:tnLst>
   </p:timing>
@@ -4371,12 +4371,51 @@
               </a:rPr>
               <a:t> have to finish a game.</a:t>
             </a:r>
+          </a:p>
+          <a:p>
             <a:endParaRPr lang="nl-NL" dirty="0" smtClean="0">
               <a:latin typeface="Comic Sans MS"/>
               <a:cs typeface="Comic Sans MS"/>
             </a:endParaRPr>
           </a:p>
           <a:p>
+            <a:r>
+              <a:rPr lang="nl-NL" dirty="0" smtClean="0">
+                <a:latin typeface="Comic Sans MS"/>
+                <a:cs typeface="Comic Sans MS"/>
+              </a:rPr>
+              <a:t>Start </a:t>
+            </a:r>
+            <a:r>
+              <a:rPr lang="nl-NL" dirty="0" err="1" smtClean="0">
+                <a:latin typeface="Comic Sans MS"/>
+                <a:cs typeface="Comic Sans MS"/>
+              </a:rPr>
+              <a:t>by</a:t>
+            </a:r>
+            <a:r>
+              <a:rPr lang="nl-NL" dirty="0" smtClean="0">
+                <a:latin typeface="Comic Sans MS"/>
+                <a:cs typeface="Comic Sans MS"/>
+              </a:rPr>
+              <a:t> opening the project </a:t>
+            </a:r>
+            <a:r>
+              <a:rPr lang="nl-NL" dirty="0">
+                <a:latin typeface="Comic Sans MS"/>
+                <a:cs typeface="Comic Sans MS"/>
+              </a:rPr>
+              <a:t>‘Basketball.sb2</a:t>
+            </a:r>
+            <a:r>
+              <a:rPr lang="nl-NL" dirty="0" smtClean="0">
+                <a:latin typeface="Comic Sans MS"/>
+                <a:cs typeface="Comic Sans MS"/>
+              </a:rPr>
+              <a:t>’.</a:t>
+            </a:r>
+          </a:p>
+          <a:p>
             <a:endParaRPr lang="nl-NL" dirty="0" smtClean="0">
               <a:latin typeface="Comic Sans MS"/>
               <a:cs typeface="Comic Sans MS"/>
@@ -4388,42 +4427,39 @@
                 <a:latin typeface="Comic Sans MS"/>
                 <a:cs typeface="Comic Sans MS"/>
               </a:rPr>
-              <a:t>Start </a:t>
-            </a:r>
-            <a:r>
-              <a:rPr lang="nl-NL" dirty="0" err="1" smtClean="0">
-                <a:latin typeface="Comic Sans MS"/>
-                <a:cs typeface="Comic Sans MS"/>
-              </a:rPr>
-              <a:t>by</a:t>
-            </a:r>
-            <a:r>
-              <a:rPr lang="nl-NL" dirty="0" smtClean="0">
-                <a:latin typeface="Comic Sans MS"/>
-                <a:cs typeface="Comic Sans MS"/>
-              </a:rPr>
-              <a:t> opening the project </a:t>
-            </a:r>
-            <a:r>
-              <a:rPr lang="nl-NL" dirty="0">
-                <a:latin typeface="Comic Sans MS"/>
-                <a:cs typeface="Comic Sans MS"/>
-              </a:rPr>
-              <a:t>‘Basketball.sb2</a:t>
-            </a:r>
-            <a:r>
-              <a:rPr lang="nl-NL" dirty="0" smtClean="0">
-                <a:latin typeface="Comic Sans MS"/>
-                <a:cs typeface="Comic Sans MS"/>
-              </a:rPr>
-              <a:t>’.</a:t>
-            </a:r>
+              <a:t>To do </a:t>
+            </a:r>
+            <a:r>
+              <a:rPr lang="nl-NL" dirty="0" err="1" smtClean="0">
+                <a:latin typeface="Comic Sans MS"/>
+                <a:cs typeface="Comic Sans MS"/>
+              </a:rPr>
+              <a:t>that</a:t>
+            </a:r>
+            <a:r>
+              <a:rPr lang="nl-NL" dirty="0" smtClean="0">
+                <a:latin typeface="Comic Sans MS"/>
+                <a:cs typeface="Comic Sans MS"/>
+              </a:rPr>
+              <a:t>, go to the file menu:</a:t>
+            </a:r>
+          </a:p>
+          <a:p>
             <a:endParaRPr lang="nl-NL" dirty="0" smtClean="0">
               <a:latin typeface="Comic Sans MS"/>
               <a:cs typeface="Comic Sans MS"/>
             </a:endParaRPr>
           </a:p>
           <a:p>
+            <a:r>
+              <a:rPr lang="nl-NL" dirty="0" smtClean="0">
+                <a:latin typeface="Comic Sans MS"/>
+                <a:cs typeface="Comic Sans MS"/>
+              </a:rPr>
+              <a:t>File-&gt;Open</a:t>
+            </a:r>
+          </a:p>
+          <a:p>
             <a:endParaRPr lang="nl-NL" dirty="0" smtClean="0">
               <a:latin typeface="Comic Sans MS"/>
               <a:cs typeface="Comic Sans MS"/>
@@ -4435,67 +4471,8 @@
                 <a:latin typeface="Comic Sans MS"/>
                 <a:cs typeface="Comic Sans MS"/>
               </a:rPr>
-              <a:t>To do </a:t>
-            </a:r>
-            <a:r>
-              <a:rPr lang="nl-NL" dirty="0" err="1" smtClean="0">
-                <a:latin typeface="Comic Sans MS"/>
-                <a:cs typeface="Comic Sans MS"/>
-              </a:rPr>
-              <a:t>that</a:t>
-            </a:r>
-            <a:r>
-              <a:rPr lang="nl-NL" dirty="0" smtClean="0">
-                <a:latin typeface="Comic Sans MS"/>
-                <a:cs typeface="Comic Sans MS"/>
-              </a:rPr>
-              <a:t>, go to the file menu:</a:t>
-            </a:r>
-            <a:endParaRPr lang="nl-NL" dirty="0" smtClean="0">
-              <a:latin typeface="Comic Sans MS"/>
-              <a:cs typeface="Comic Sans MS"/>
-            </a:endParaRPr>
-          </a:p>
-          <a:p>
-            <a:endParaRPr lang="nl-NL" dirty="0" smtClean="0">
-              <a:latin typeface="Comic Sans MS"/>
-              <a:cs typeface="Comic Sans MS"/>
-            </a:endParaRPr>
-          </a:p>
-          <a:p>
-            <a:r>
-              <a:rPr lang="nl-NL" dirty="0" smtClean="0">
-                <a:latin typeface="Comic Sans MS"/>
-                <a:cs typeface="Comic Sans MS"/>
-              </a:rPr>
-              <a:t>File-</a:t>
-            </a:r>
-            <a:r>
-              <a:rPr lang="nl-NL" dirty="0" smtClean="0">
-                <a:latin typeface="Comic Sans MS"/>
-                <a:cs typeface="Comic Sans MS"/>
-              </a:rPr>
-              <a:t>&gt;Open</a:t>
-            </a:r>
-          </a:p>
-          <a:p>
-            <a:endParaRPr lang="nl-NL" dirty="0" smtClean="0">
-              <a:latin typeface="Comic Sans MS"/>
-              <a:cs typeface="Comic Sans MS"/>
-            </a:endParaRPr>
-          </a:p>
-          <a:p>
-            <a:r>
-              <a:rPr lang="nl-NL" dirty="0" smtClean="0">
-                <a:latin typeface="Comic Sans MS"/>
-                <a:cs typeface="Comic Sans MS"/>
-              </a:rPr>
               <a:t>Select ‘Basketball.sb2’ and click OK. </a:t>
             </a:r>
-            <a:endParaRPr lang="nl-NL" dirty="0" smtClean="0">
-              <a:latin typeface="Comic Sans MS"/>
-              <a:cs typeface="Comic Sans MS"/>
-            </a:endParaRPr>
           </a:p>
         </p:txBody>
       </p:sp>
@@ -4511,7 +4488,7 @@
           <a:blip r:embed="rId2">
             <a:extLst>
               <a:ext uri="{28A0092B-C50C-407E-A947-70E740481C1C}">
-                <a14:useLocalDpi xmlns:a14="http://schemas.microsoft.com/office/drawing/2010/main" xmlns="" val="0"/>
+                <a14:useLocalDpi xmlns:a14="http://schemas.microsoft.com/office/drawing/2010/main" val="0"/>
               </a:ext>
             </a:extLst>
           </a:blip>
@@ -4532,7 +4509,7 @@
     </p:spTree>
     <p:extLst>
       <p:ext uri="{BB962C8B-B14F-4D97-AF65-F5344CB8AC3E}">
-        <p14:creationId xmlns:p14="http://schemas.microsoft.com/office/powerpoint/2010/main" xmlns="" val="1900679226"/>
+        <p14:creationId xmlns:p14="http://schemas.microsoft.com/office/powerpoint/2010/main" val="1900679226"/>
       </p:ext>
     </p:extLst>
   </p:cSld>
@@ -4542,7 +4519,7 @@
   <p:timing>
     <p:tnLst>
       <p:par>
-        <p:cTn id="1" dur="indefinite" restart="never" nodeType="tmRoot"/>
+        <p:cTn xmlns:p14="http://schemas.microsoft.com/office/powerpoint/2010/main" id="1" dur="indefinite" restart="never" nodeType="tmRoot"/>
       </p:par>
     </p:tnLst>
   </p:timing>
@@ -4724,10 +4701,6 @@
               </a:rPr>
               <a:t>.</a:t>
             </a:r>
-            <a:endParaRPr lang="nl-NL" dirty="0" smtClean="0">
-              <a:latin typeface="Comic Sans MS"/>
-              <a:cs typeface="Comic Sans MS"/>
-            </a:endParaRPr>
           </a:p>
           <a:p>
             <a:endParaRPr lang="nl-NL" dirty="0">
@@ -4883,10 +4856,6 @@
               </a:rPr>
               <a:t>.</a:t>
             </a:r>
-            <a:endParaRPr lang="nl-NL" dirty="0" smtClean="0">
-              <a:latin typeface="Comic Sans MS"/>
-              <a:cs typeface="Comic Sans MS"/>
-            </a:endParaRPr>
           </a:p>
           <a:p>
             <a:endParaRPr lang="nl-NL" dirty="0">
@@ -5038,10 +5007,6 @@
               </a:rPr>
               <a:t>.</a:t>
             </a:r>
-            <a:endParaRPr lang="nl-NL" dirty="0" smtClean="0">
-              <a:latin typeface="Comic Sans MS"/>
-              <a:cs typeface="Comic Sans MS"/>
-            </a:endParaRPr>
           </a:p>
           <a:p>
             <a:pPr marL="285750" indent="-285750">
@@ -5090,10 +5055,6 @@
               </a:rPr>
               <a:t>.</a:t>
             </a:r>
-            <a:endParaRPr lang="nl-NL" dirty="0" smtClean="0">
-              <a:latin typeface="Comic Sans MS"/>
-              <a:cs typeface="Comic Sans MS"/>
-            </a:endParaRPr>
           </a:p>
         </p:txBody>
       </p:sp>
@@ -5109,7 +5070,7 @@
           <a:blip r:embed="rId2">
             <a:extLst>
               <a:ext uri="{28A0092B-C50C-407E-A947-70E740481C1C}">
-                <a14:useLocalDpi xmlns:a14="http://schemas.microsoft.com/office/drawing/2010/main" xmlns="" val="0"/>
+                <a14:useLocalDpi xmlns:a14="http://schemas.microsoft.com/office/drawing/2010/main" val="0"/>
               </a:ext>
             </a:extLst>
           </a:blip>
@@ -5130,7 +5091,7 @@
     </p:spTree>
     <p:extLst>
       <p:ext uri="{BB962C8B-B14F-4D97-AF65-F5344CB8AC3E}">
-        <p14:creationId xmlns:p14="http://schemas.microsoft.com/office/powerpoint/2010/main" xmlns="" val="2948759927"/>
+        <p14:creationId xmlns:p14="http://schemas.microsoft.com/office/powerpoint/2010/main" val="2948759927"/>
       </p:ext>
     </p:extLst>
   </p:cSld>
@@ -5140,7 +5101,7 @@
   <p:timing>
     <p:tnLst>
       <p:par>
-        <p:cTn id="1" dur="indefinite" restart="never" nodeType="tmRoot"/>
+        <p:cTn xmlns:p14="http://schemas.microsoft.com/office/powerpoint/2010/main" id="1" dur="indefinite" restart="never" nodeType="tmRoot"/>
       </p:par>
     </p:tnLst>
   </p:timing>
@@ -5176,7 +5137,7 @@
           <a:blip r:embed="rId2">
             <a:extLst>
               <a:ext uri="{28A0092B-C50C-407E-A947-70E740481C1C}">
-                <a14:useLocalDpi xmlns:a14="http://schemas.microsoft.com/office/drawing/2010/main" xmlns="" val="0"/>
+                <a14:useLocalDpi xmlns:a14="http://schemas.microsoft.com/office/drawing/2010/main" val="0"/>
               </a:ext>
             </a:extLst>
           </a:blip>
@@ -5359,10 +5320,6 @@
               </a:rPr>
               <a:t>.</a:t>
             </a:r>
-            <a:endParaRPr lang="nl-NL" dirty="0" smtClean="0">
-              <a:latin typeface="Comic Sans MS"/>
-              <a:cs typeface="Comic Sans MS"/>
-            </a:endParaRPr>
           </a:p>
           <a:p>
             <a:endParaRPr lang="nl-NL" dirty="0">
@@ -5551,14 +5508,7 @@
                 <a:latin typeface="Comic Sans MS"/>
                 <a:cs typeface="Comic Sans MS"/>
               </a:rPr>
-              <a:t> </a:t>
-            </a:r>
-            <a:r>
-              <a:rPr lang="nl-NL" dirty="0" smtClean="0">
-                <a:latin typeface="Comic Sans MS"/>
-                <a:cs typeface="Comic Sans MS"/>
-              </a:rPr>
-              <a:t>te screen closes as </a:t>
+              <a:t> te screen closes as </a:t>
             </a:r>
             <a:r>
               <a:rPr lang="nl-NL" dirty="0" err="1" smtClean="0">
@@ -5574,10 +5524,6 @@
               </a:rPr>
               <a:t>.</a:t>
             </a:r>
-            <a:endParaRPr lang="nl-NL" dirty="0" smtClean="0">
-              <a:latin typeface="Comic Sans MS"/>
-              <a:cs typeface="Comic Sans MS"/>
-            </a:endParaRPr>
           </a:p>
           <a:p>
             <a:endParaRPr lang="nl-NL" dirty="0">
@@ -5626,14 +5572,7 @@
                 <a:latin typeface="Comic Sans MS"/>
                 <a:cs typeface="Comic Sans MS"/>
               </a:rPr>
-              <a:t> the </a:t>
-            </a:r>
-            <a:r>
-              <a:rPr lang="nl-NL" dirty="0" smtClean="0">
-                <a:latin typeface="Comic Sans MS"/>
-                <a:cs typeface="Comic Sans MS"/>
-              </a:rPr>
-              <a:t>bal </a:t>
+              <a:t> the bal </a:t>
             </a:r>
             <a:r>
               <a:rPr lang="nl-NL" dirty="0" err="1" smtClean="0">
@@ -5731,7 +5670,7 @@
     </p:spTree>
     <p:extLst>
       <p:ext uri="{BB962C8B-B14F-4D97-AF65-F5344CB8AC3E}">
-        <p14:creationId xmlns:p14="http://schemas.microsoft.com/office/powerpoint/2010/main" xmlns="" val="2715780631"/>
+        <p14:creationId xmlns:p14="http://schemas.microsoft.com/office/powerpoint/2010/main" val="2715780631"/>
       </p:ext>
     </p:extLst>
   </p:cSld>
@@ -5741,7 +5680,7 @@
   <p:timing>
     <p:tnLst>
       <p:par>
-        <p:cTn id="1" dur="indefinite" restart="never" nodeType="tmRoot"/>
+        <p:cTn xmlns:p14="http://schemas.microsoft.com/office/powerpoint/2010/main" id="1" dur="indefinite" restart="never" nodeType="tmRoot"/>
       </p:par>
     </p:tnLst>
   </p:timing>
@@ -5955,59 +5894,272 @@
               </a:rPr>
               <a:t> in the basket.</a:t>
             </a:r>
+          </a:p>
+          <a:p>
+            <a:endParaRPr lang="nl-NL" dirty="0">
+              <a:latin typeface="Comic Sans MS"/>
+              <a:cs typeface="Comic Sans MS"/>
+            </a:endParaRPr>
+          </a:p>
+          <a:p>
+            <a:r>
+              <a:rPr lang="nl-NL" dirty="0" smtClean="0">
+                <a:latin typeface="Comic Sans MS"/>
+                <a:cs typeface="Comic Sans MS"/>
+              </a:rPr>
+              <a:t>Click </a:t>
+            </a:r>
+            <a:r>
+              <a:rPr lang="nl-NL" dirty="0" err="1" smtClean="0">
+                <a:latin typeface="Comic Sans MS"/>
+                <a:cs typeface="Comic Sans MS"/>
+              </a:rPr>
+              <a:t>on</a:t>
+            </a:r>
+            <a:r>
+              <a:rPr lang="nl-NL" dirty="0" smtClean="0">
+                <a:latin typeface="Comic Sans MS"/>
+                <a:cs typeface="Comic Sans MS"/>
+              </a:rPr>
+              <a:t> the basketball </a:t>
+            </a:r>
+            <a:r>
+              <a:rPr lang="nl-NL" dirty="0" err="1" smtClean="0">
+                <a:latin typeface="Comic Sans MS"/>
+                <a:cs typeface="Comic Sans MS"/>
+              </a:rPr>
+              <a:t>on</a:t>
+            </a:r>
+            <a:r>
+              <a:rPr lang="nl-NL" dirty="0" smtClean="0">
+                <a:latin typeface="Comic Sans MS"/>
+                <a:cs typeface="Comic Sans MS"/>
+              </a:rPr>
+              <a:t> the screen (in the </a:t>
+            </a:r>
+            <a:r>
+              <a:rPr lang="nl-NL" dirty="0" err="1" smtClean="0">
+                <a:latin typeface="Comic Sans MS"/>
+                <a:cs typeface="Comic Sans MS"/>
+              </a:rPr>
+              <a:t>sprites</a:t>
+            </a:r>
+            <a:r>
+              <a:rPr lang="nl-NL" dirty="0" smtClean="0">
+                <a:latin typeface="Comic Sans MS"/>
+                <a:cs typeface="Comic Sans MS"/>
+              </a:rPr>
+              <a:t> </a:t>
+            </a:r>
+            <a:r>
+              <a:rPr lang="nl-NL" dirty="0" err="1" smtClean="0">
+                <a:latin typeface="Comic Sans MS"/>
+                <a:cs typeface="Comic Sans MS"/>
+              </a:rPr>
+              <a:t>section</a:t>
+            </a:r>
+            <a:r>
+              <a:rPr lang="nl-NL" dirty="0" smtClean="0">
+                <a:latin typeface="Comic Sans MS"/>
+                <a:cs typeface="Comic Sans MS"/>
+              </a:rPr>
+              <a:t>)</a:t>
+            </a:r>
+            <a:endParaRPr lang="nl-NL" dirty="0">
+              <a:latin typeface="Comic Sans MS"/>
+              <a:cs typeface="Comic Sans MS"/>
+            </a:endParaRPr>
+          </a:p>
+          <a:p>
+            <a:r>
+              <a:rPr lang="nl-NL" dirty="0" smtClean="0">
+                <a:latin typeface="Comic Sans MS"/>
+                <a:cs typeface="Comic Sans MS"/>
+              </a:rPr>
+              <a:t>In the script </a:t>
+            </a:r>
+            <a:r>
+              <a:rPr lang="nl-NL" dirty="0" err="1" smtClean="0">
+                <a:latin typeface="Comic Sans MS"/>
+                <a:cs typeface="Comic Sans MS"/>
+              </a:rPr>
+              <a:t>area</a:t>
+            </a:r>
+            <a:r>
+              <a:rPr lang="nl-NL" dirty="0" smtClean="0">
+                <a:latin typeface="Comic Sans MS"/>
+                <a:cs typeface="Comic Sans MS"/>
+              </a:rPr>
+              <a:t> the building </a:t>
+            </a:r>
+            <a:r>
+              <a:rPr lang="nl-NL" dirty="0" err="1" smtClean="0">
+                <a:latin typeface="Comic Sans MS"/>
+                <a:cs typeface="Comic Sans MS"/>
+              </a:rPr>
+              <a:t>blocks</a:t>
+            </a:r>
+            <a:r>
+              <a:rPr lang="nl-NL" dirty="0" smtClean="0">
+                <a:latin typeface="Comic Sans MS"/>
+                <a:cs typeface="Comic Sans MS"/>
+              </a:rPr>
+              <a:t> are </a:t>
+            </a:r>
+            <a:r>
+              <a:rPr lang="nl-NL" dirty="0" err="1" smtClean="0">
+                <a:latin typeface="Comic Sans MS"/>
+                <a:cs typeface="Comic Sans MS"/>
+              </a:rPr>
+              <a:t>shown</a:t>
+            </a:r>
+            <a:r>
+              <a:rPr lang="nl-NL" dirty="0" smtClean="0">
+                <a:latin typeface="Comic Sans MS"/>
+                <a:cs typeface="Comic Sans MS"/>
+              </a:rPr>
+              <a:t> </a:t>
+            </a:r>
+            <a:r>
+              <a:rPr lang="nl-NL" dirty="0" err="1" smtClean="0">
+                <a:latin typeface="Comic Sans MS"/>
+                <a:cs typeface="Comic Sans MS"/>
+              </a:rPr>
+              <a:t>that</a:t>
+            </a:r>
+            <a:r>
+              <a:rPr lang="nl-NL" dirty="0" smtClean="0">
+                <a:latin typeface="Comic Sans MS"/>
+                <a:cs typeface="Comic Sans MS"/>
+              </a:rPr>
+              <a:t> </a:t>
+            </a:r>
+            <a:r>
+              <a:rPr lang="nl-NL" dirty="0" err="1" smtClean="0">
+                <a:latin typeface="Comic Sans MS"/>
+                <a:cs typeface="Comic Sans MS"/>
+              </a:rPr>
+              <a:t>will</a:t>
+            </a:r>
+            <a:r>
+              <a:rPr lang="nl-NL" dirty="0" smtClean="0">
+                <a:latin typeface="Comic Sans MS"/>
+                <a:cs typeface="Comic Sans MS"/>
+              </a:rPr>
+              <a:t> </a:t>
+            </a:r>
+            <a:r>
+              <a:rPr lang="nl-NL" dirty="0" err="1" smtClean="0">
+                <a:latin typeface="Comic Sans MS"/>
+                <a:cs typeface="Comic Sans MS"/>
+              </a:rPr>
+              <a:t>control</a:t>
+            </a:r>
+            <a:r>
+              <a:rPr lang="nl-NL" dirty="0" smtClean="0">
+                <a:latin typeface="Comic Sans MS"/>
+                <a:cs typeface="Comic Sans MS"/>
+              </a:rPr>
+              <a:t> the </a:t>
+            </a:r>
+            <a:r>
+              <a:rPr lang="nl-NL" dirty="0" err="1" smtClean="0">
+                <a:latin typeface="Comic Sans MS"/>
+                <a:cs typeface="Comic Sans MS"/>
+              </a:rPr>
+              <a:t>ball</a:t>
+            </a:r>
+            <a:r>
+              <a:rPr lang="nl-NL" dirty="0" smtClean="0">
+                <a:latin typeface="Comic Sans MS"/>
+                <a:cs typeface="Comic Sans MS"/>
+              </a:rPr>
+              <a:t> and </a:t>
+            </a:r>
+            <a:r>
+              <a:rPr lang="nl-NL" dirty="0" err="1" smtClean="0">
+                <a:latin typeface="Comic Sans MS"/>
+                <a:cs typeface="Comic Sans MS"/>
+              </a:rPr>
+              <a:t>its</a:t>
+            </a:r>
+            <a:r>
+              <a:rPr lang="nl-NL" dirty="0" smtClean="0">
+                <a:latin typeface="Comic Sans MS"/>
+                <a:cs typeface="Comic Sans MS"/>
+              </a:rPr>
+              <a:t> </a:t>
+            </a:r>
+            <a:r>
+              <a:rPr lang="nl-NL" dirty="0" err="1" smtClean="0">
+                <a:latin typeface="Comic Sans MS"/>
+                <a:cs typeface="Comic Sans MS"/>
+              </a:rPr>
+              <a:t>movements</a:t>
+            </a:r>
+            <a:r>
+              <a:rPr lang="nl-NL" dirty="0" smtClean="0">
+                <a:latin typeface="Comic Sans MS"/>
+                <a:cs typeface="Comic Sans MS"/>
+              </a:rPr>
+              <a:t>.</a:t>
+            </a:r>
+          </a:p>
+          <a:p>
             <a:endParaRPr lang="nl-NL" dirty="0" smtClean="0">
               <a:latin typeface="Comic Sans MS"/>
               <a:cs typeface="Comic Sans MS"/>
             </a:endParaRPr>
           </a:p>
           <a:p>
-            <a:endParaRPr lang="nl-NL" dirty="0">
-              <a:latin typeface="Comic Sans MS"/>
-              <a:cs typeface="Comic Sans MS"/>
-            </a:endParaRPr>
-          </a:p>
-          <a:p>
-            <a:r>
-              <a:rPr lang="nl-NL" dirty="0" smtClean="0">
-                <a:latin typeface="Comic Sans MS"/>
-                <a:cs typeface="Comic Sans MS"/>
-              </a:rPr>
-              <a:t>Click </a:t>
-            </a:r>
-            <a:r>
-              <a:rPr lang="nl-NL" dirty="0" err="1" smtClean="0">
-                <a:latin typeface="Comic Sans MS"/>
-                <a:cs typeface="Comic Sans MS"/>
-              </a:rPr>
-              <a:t>on</a:t>
-            </a:r>
-            <a:r>
-              <a:rPr lang="nl-NL" dirty="0" smtClean="0">
-                <a:latin typeface="Comic Sans MS"/>
-                <a:cs typeface="Comic Sans MS"/>
-              </a:rPr>
-              <a:t> the basketball </a:t>
-            </a:r>
-            <a:r>
-              <a:rPr lang="nl-NL" dirty="0" err="1" smtClean="0">
-                <a:latin typeface="Comic Sans MS"/>
-                <a:cs typeface="Comic Sans MS"/>
-              </a:rPr>
-              <a:t>on</a:t>
-            </a:r>
-            <a:r>
-              <a:rPr lang="nl-NL" dirty="0" smtClean="0">
-                <a:latin typeface="Comic Sans MS"/>
-                <a:cs typeface="Comic Sans MS"/>
-              </a:rPr>
-              <a:t> the screen (in the </a:t>
-            </a:r>
-            <a:r>
-              <a:rPr lang="nl-NL" dirty="0" err="1" smtClean="0">
-                <a:latin typeface="Comic Sans MS"/>
-                <a:cs typeface="Comic Sans MS"/>
-              </a:rPr>
-              <a:t>sprites</a:t>
+            <a:r>
+              <a:rPr lang="nl-NL" dirty="0" err="1" smtClean="0">
+                <a:latin typeface="Comic Sans MS"/>
+                <a:cs typeface="Comic Sans MS"/>
+              </a:rPr>
+              <a:t>Study</a:t>
+            </a:r>
+            <a:r>
+              <a:rPr lang="nl-NL" dirty="0" smtClean="0">
+                <a:latin typeface="Comic Sans MS"/>
+                <a:cs typeface="Comic Sans MS"/>
+              </a:rPr>
+              <a:t> the script and </a:t>
+            </a:r>
+            <a:r>
+              <a:rPr lang="nl-NL" dirty="0" err="1" smtClean="0">
+                <a:latin typeface="Comic Sans MS"/>
+                <a:cs typeface="Comic Sans MS"/>
+              </a:rPr>
+              <a:t>find</a:t>
+            </a:r>
+            <a:r>
+              <a:rPr lang="nl-NL" dirty="0" smtClean="0">
+                <a:latin typeface="Comic Sans MS"/>
+                <a:cs typeface="Comic Sans MS"/>
+              </a:rPr>
+              <a:t> the spot </a:t>
+            </a:r>
+            <a:r>
+              <a:rPr lang="nl-NL" dirty="0" err="1" smtClean="0">
+                <a:latin typeface="Comic Sans MS"/>
+                <a:cs typeface="Comic Sans MS"/>
+              </a:rPr>
+              <a:t>where</a:t>
+            </a:r>
+            <a:r>
+              <a:rPr lang="nl-NL" dirty="0" smtClean="0">
+                <a:latin typeface="Comic Sans MS"/>
+                <a:cs typeface="Comic Sans MS"/>
+              </a:rPr>
+              <a:t> the sound is </a:t>
+            </a:r>
+            <a:r>
+              <a:rPr lang="nl-NL" dirty="0" err="1" smtClean="0">
+                <a:latin typeface="Comic Sans MS"/>
+                <a:cs typeface="Comic Sans MS"/>
+              </a:rPr>
+              <a:t>played</a:t>
             </a:r>
             <a:r>
               <a:rPr lang="nl-NL" dirty="0" smtClean="0">
@@ -6021,62 +6173,7 @@
                 <a:latin typeface="Comic Sans MS"/>
                 <a:cs typeface="Comic Sans MS"/>
               </a:rPr>
-              <a:t>section</a:t>
-            </a:r>
-            <a:r>
-              <a:rPr lang="nl-NL" dirty="0" smtClean="0">
-                <a:latin typeface="Comic Sans MS"/>
-                <a:cs typeface="Comic Sans MS"/>
-              </a:rPr>
-              <a:t>)</a:t>
-            </a:r>
-            <a:endParaRPr lang="nl-NL" dirty="0">
-              <a:latin typeface="Comic Sans MS"/>
-              <a:cs typeface="Comic Sans MS"/>
-            </a:endParaRPr>
-          </a:p>
-          <a:p>
-            <a:r>
-              <a:rPr lang="nl-NL" dirty="0" smtClean="0">
-                <a:latin typeface="Comic Sans MS"/>
-                <a:cs typeface="Comic Sans MS"/>
-              </a:rPr>
-              <a:t>In the script </a:t>
-            </a:r>
-            <a:r>
-              <a:rPr lang="nl-NL" dirty="0" err="1" smtClean="0">
-                <a:latin typeface="Comic Sans MS"/>
-                <a:cs typeface="Comic Sans MS"/>
-              </a:rPr>
-              <a:t>area</a:t>
-            </a:r>
-            <a:r>
-              <a:rPr lang="nl-NL" dirty="0" smtClean="0">
-                <a:latin typeface="Comic Sans MS"/>
-                <a:cs typeface="Comic Sans MS"/>
-              </a:rPr>
-              <a:t> the building </a:t>
-            </a:r>
-            <a:r>
-              <a:rPr lang="nl-NL" dirty="0" err="1" smtClean="0">
-                <a:latin typeface="Comic Sans MS"/>
-                <a:cs typeface="Comic Sans MS"/>
-              </a:rPr>
-              <a:t>blocks</a:t>
-            </a:r>
-            <a:r>
-              <a:rPr lang="nl-NL" dirty="0" smtClean="0">
-                <a:latin typeface="Comic Sans MS"/>
-                <a:cs typeface="Comic Sans MS"/>
-              </a:rPr>
-              <a:t> are </a:t>
-            </a:r>
-            <a:r>
-              <a:rPr lang="nl-NL" dirty="0" err="1" smtClean="0">
-                <a:latin typeface="Comic Sans MS"/>
-                <a:cs typeface="Comic Sans MS"/>
-              </a:rPr>
-              <a:t>shown</a:t>
+              <a:t>when</a:t>
             </a:r>
             <a:r>
               <a:rPr lang="nl-NL" dirty="0" smtClean="0">
@@ -6090,7 +6187,21 @@
                 <a:latin typeface="Comic Sans MS"/>
                 <a:cs typeface="Comic Sans MS"/>
               </a:rPr>
-              <a:t>that</a:t>
+              <a:t>touching</a:t>
+            </a:r>
+            <a:r>
+              <a:rPr lang="nl-NL" dirty="0" smtClean="0">
+                <a:latin typeface="Comic Sans MS"/>
+                <a:cs typeface="Comic Sans MS"/>
+              </a:rPr>
+              <a:t> the </a:t>
+            </a:r>
+            <a:r>
+              <a:rPr lang="nl-NL" dirty="0" err="1" smtClean="0">
+                <a:latin typeface="Comic Sans MS"/>
+                <a:cs typeface="Comic Sans MS"/>
+              </a:rPr>
+              <a:t>ball</a:t>
             </a:r>
             <a:r>
               <a:rPr lang="nl-NL" dirty="0" smtClean="0">
@@ -6104,7 +6215,7 @@
                 <a:latin typeface="Comic Sans MS"/>
                 <a:cs typeface="Comic Sans MS"/>
               </a:rPr>
-              <a:t>will</a:t>
+              <a:t>with</a:t>
             </a:r>
             <a:r>
               <a:rPr lang="nl-NL" dirty="0" smtClean="0">
@@ -6118,189 +6229,6 @@
                 <a:latin typeface="Comic Sans MS"/>
                 <a:cs typeface="Comic Sans MS"/>
               </a:rPr>
-              <a:t>control</a:t>
-            </a:r>
-            <a:r>
-              <a:rPr lang="nl-NL" dirty="0" smtClean="0">
-                <a:latin typeface="Comic Sans MS"/>
-                <a:cs typeface="Comic Sans MS"/>
-              </a:rPr>
-              <a:t> the </a:t>
-            </a:r>
-            <a:r>
-              <a:rPr lang="nl-NL" dirty="0" err="1" smtClean="0">
-                <a:latin typeface="Comic Sans MS"/>
-                <a:cs typeface="Comic Sans MS"/>
-              </a:rPr>
-              <a:t>ball</a:t>
-            </a:r>
-            <a:r>
-              <a:rPr lang="nl-NL" dirty="0" smtClean="0">
-                <a:latin typeface="Comic Sans MS"/>
-                <a:cs typeface="Comic Sans MS"/>
-              </a:rPr>
-              <a:t> and </a:t>
-            </a:r>
-            <a:r>
-              <a:rPr lang="nl-NL" dirty="0" err="1" smtClean="0">
-                <a:latin typeface="Comic Sans MS"/>
-                <a:cs typeface="Comic Sans MS"/>
-              </a:rPr>
-              <a:t>its</a:t>
-            </a:r>
-            <a:r>
-              <a:rPr lang="nl-NL" dirty="0" smtClean="0">
-                <a:latin typeface="Comic Sans MS"/>
-                <a:cs typeface="Comic Sans MS"/>
-              </a:rPr>
-              <a:t> </a:t>
-            </a:r>
-            <a:r>
-              <a:rPr lang="nl-NL" dirty="0" err="1" smtClean="0">
-                <a:latin typeface="Comic Sans MS"/>
-                <a:cs typeface="Comic Sans MS"/>
-              </a:rPr>
-              <a:t>movements</a:t>
-            </a:r>
-            <a:r>
-              <a:rPr lang="nl-NL" dirty="0" smtClean="0">
-                <a:latin typeface="Comic Sans MS"/>
-                <a:cs typeface="Comic Sans MS"/>
-              </a:rPr>
-              <a:t>.</a:t>
-            </a:r>
-          </a:p>
-          <a:p>
-            <a:endParaRPr lang="nl-NL" dirty="0" smtClean="0">
-              <a:latin typeface="Comic Sans MS"/>
-              <a:cs typeface="Comic Sans MS"/>
-            </a:endParaRPr>
-          </a:p>
-          <a:p>
-            <a:r>
-              <a:rPr lang="nl-NL" dirty="0" err="1" smtClean="0">
-                <a:latin typeface="Comic Sans MS"/>
-                <a:cs typeface="Comic Sans MS"/>
-              </a:rPr>
-              <a:t>Study</a:t>
-            </a:r>
-            <a:r>
-              <a:rPr lang="nl-NL" dirty="0" smtClean="0">
-                <a:latin typeface="Comic Sans MS"/>
-                <a:cs typeface="Comic Sans MS"/>
-              </a:rPr>
-              <a:t> the script an</a:t>
-            </a:r>
-            <a:r>
-              <a:rPr lang="nl-NL" dirty="0" smtClean="0">
-                <a:latin typeface="Comic Sans MS"/>
-                <a:cs typeface="Comic Sans MS"/>
-              </a:rPr>
-              <a:t>d </a:t>
-            </a:r>
-            <a:r>
-              <a:rPr lang="nl-NL" dirty="0" err="1" smtClean="0">
-                <a:latin typeface="Comic Sans MS"/>
-                <a:cs typeface="Comic Sans MS"/>
-              </a:rPr>
-              <a:t>find</a:t>
-            </a:r>
-            <a:r>
-              <a:rPr lang="nl-NL" dirty="0" smtClean="0">
-                <a:latin typeface="Comic Sans MS"/>
-                <a:cs typeface="Comic Sans MS"/>
-              </a:rPr>
-              <a:t> the spot </a:t>
-            </a:r>
-            <a:r>
-              <a:rPr lang="nl-NL" dirty="0" err="1" smtClean="0">
-                <a:latin typeface="Comic Sans MS"/>
-                <a:cs typeface="Comic Sans MS"/>
-              </a:rPr>
-              <a:t>where</a:t>
-            </a:r>
-            <a:r>
-              <a:rPr lang="nl-NL" dirty="0" smtClean="0">
-                <a:latin typeface="Comic Sans MS"/>
-                <a:cs typeface="Comic Sans MS"/>
-              </a:rPr>
-              <a:t> the sound is </a:t>
-            </a:r>
-            <a:r>
-              <a:rPr lang="nl-NL" dirty="0" err="1" smtClean="0">
-                <a:latin typeface="Comic Sans MS"/>
-                <a:cs typeface="Comic Sans MS"/>
-              </a:rPr>
-              <a:t>played</a:t>
-            </a:r>
-            <a:r>
-              <a:rPr lang="nl-NL" dirty="0" smtClean="0">
-                <a:latin typeface="Comic Sans MS"/>
-                <a:cs typeface="Comic Sans MS"/>
-              </a:rPr>
-              <a:t> </a:t>
-            </a:r>
-            <a:r>
-              <a:rPr lang="nl-NL" dirty="0" err="1" smtClean="0">
-                <a:latin typeface="Comic Sans MS"/>
-                <a:cs typeface="Comic Sans MS"/>
-              </a:rPr>
-              <a:t>when</a:t>
-            </a:r>
-            <a:r>
-              <a:rPr lang="nl-NL" dirty="0" smtClean="0">
-                <a:latin typeface="Comic Sans MS"/>
-                <a:cs typeface="Comic Sans MS"/>
-              </a:rPr>
-              <a:t> </a:t>
-            </a:r>
-            <a:r>
-              <a:rPr lang="nl-NL" dirty="0" err="1" smtClean="0">
-                <a:latin typeface="Comic Sans MS"/>
-                <a:cs typeface="Comic Sans MS"/>
-              </a:rPr>
-              <a:t>touching</a:t>
-            </a:r>
-            <a:r>
-              <a:rPr lang="nl-NL" dirty="0" smtClean="0">
-                <a:latin typeface="Comic Sans MS"/>
-                <a:cs typeface="Comic Sans MS"/>
-              </a:rPr>
-              <a:t> the </a:t>
-            </a:r>
-            <a:r>
-              <a:rPr lang="nl-NL" dirty="0" err="1" smtClean="0">
-                <a:latin typeface="Comic Sans MS"/>
-                <a:cs typeface="Comic Sans MS"/>
-              </a:rPr>
-              <a:t>ball</a:t>
-            </a:r>
-            <a:r>
-              <a:rPr lang="nl-NL" dirty="0" smtClean="0">
-                <a:latin typeface="Comic Sans MS"/>
-                <a:cs typeface="Comic Sans MS"/>
-              </a:rPr>
-              <a:t> </a:t>
-            </a:r>
-            <a:r>
-              <a:rPr lang="nl-NL" dirty="0" err="1" smtClean="0">
-                <a:latin typeface="Comic Sans MS"/>
-                <a:cs typeface="Comic Sans MS"/>
-              </a:rPr>
-              <a:t>with</a:t>
-            </a:r>
-            <a:r>
-              <a:rPr lang="nl-NL" dirty="0" smtClean="0">
-                <a:latin typeface="Comic Sans MS"/>
-                <a:cs typeface="Comic Sans MS"/>
-              </a:rPr>
-              <a:t> </a:t>
-            </a:r>
-            <a:r>
-              <a:rPr lang="nl-NL" dirty="0" err="1" smtClean="0">
-                <a:latin typeface="Comic Sans MS"/>
-                <a:cs typeface="Comic Sans MS"/>
-              </a:rPr>
               <a:t>your</a:t>
             </a:r>
             <a:r>
@@ -6310,10 +6238,6 @@
               </a:rPr>
               <a:t> hand.</a:t>
             </a:r>
-            <a:endParaRPr lang="nl-NL" dirty="0" smtClean="0">
-              <a:latin typeface="Comic Sans MS"/>
-              <a:cs typeface="Comic Sans MS"/>
-            </a:endParaRPr>
           </a:p>
         </p:txBody>
       </p:sp>
@@ -6364,7 +6288,7 @@
     </p:spTree>
     <p:extLst>
       <p:ext uri="{BB962C8B-B14F-4D97-AF65-F5344CB8AC3E}">
-        <p14:creationId xmlns:p14="http://schemas.microsoft.com/office/powerpoint/2010/main" xmlns="" val="1666396418"/>
+        <p14:creationId xmlns:p14="http://schemas.microsoft.com/office/powerpoint/2010/main" val="1666396418"/>
       </p:ext>
     </p:extLst>
   </p:cSld>
@@ -6374,7 +6298,7 @@
   <p:timing>
     <p:tnLst>
       <p:par>
-        <p:cTn id="1" dur="indefinite" restart="never" nodeType="tmRoot"/>
+        <p:cTn xmlns:p14="http://schemas.microsoft.com/office/powerpoint/2010/main" id="1" dur="indefinite" restart="never" nodeType="tmRoot"/>
       </p:par>
     </p:tnLst>
   </p:timing>
@@ -6619,18 +6543,14 @@
               </a:rPr>
               <a:t> the basketball.</a:t>
             </a:r>
+          </a:p>
+          <a:p>
             <a:endParaRPr lang="nl-NL" dirty="0" smtClean="0">
               <a:latin typeface="Comic Sans MS"/>
               <a:cs typeface="Comic Sans MS"/>
             </a:endParaRPr>
           </a:p>
           <a:p>
-            <a:endParaRPr lang="nl-NL" dirty="0" smtClean="0">
-              <a:latin typeface="Comic Sans MS"/>
-              <a:cs typeface="Comic Sans MS"/>
-            </a:endParaRPr>
-          </a:p>
-          <a:p>
             <a:r>
               <a:rPr lang="nl-NL" dirty="0" err="1" smtClean="0">
                 <a:latin typeface="Comic Sans MS"/>
@@ -6687,10 +6607,6 @@
               </a:rPr>
               <a:t> the sound</a:t>
             </a:r>
-            <a:endParaRPr lang="nl-NL" dirty="0" smtClean="0">
-              <a:latin typeface="Comic Sans MS"/>
-              <a:cs typeface="Comic Sans MS"/>
-            </a:endParaRPr>
           </a:p>
           <a:p>
             <a:r>
@@ -6791,17 +6707,7 @@
                 <a:latin typeface="Comic Sans MS"/>
                 <a:cs typeface="Comic Sans MS"/>
               </a:rPr>
-              <a:t>‘go to x</a:t>
-            </a:r>
-            <a:r>
-              <a:rPr lang="nl-NL" dirty="0" smtClean="0">
-                <a:solidFill>
-                  <a:srgbClr val="3850CC"/>
-                </a:solidFill>
-                <a:latin typeface="Comic Sans MS"/>
-                <a:cs typeface="Comic Sans MS"/>
-              </a:rPr>
-              <a:t>: 0 y: 0’</a:t>
+              <a:t>‘go to x: 0 y: 0’</a:t>
             </a:r>
             <a:r>
               <a:rPr lang="nl-NL" dirty="0" smtClean="0">
@@ -6890,10 +6796,6 @@
               </a:rPr>
               <a:t> was.</a:t>
             </a:r>
-            <a:endParaRPr lang="nl-NL" dirty="0" smtClean="0">
-              <a:latin typeface="Comic Sans MS"/>
-              <a:cs typeface="Comic Sans MS"/>
-            </a:endParaRPr>
           </a:p>
           <a:p>
             <a:endParaRPr lang="nl-NL" dirty="0">
@@ -7031,10 +6933,6 @@
               </a:rPr>
               <a:t>’.</a:t>
             </a:r>
-            <a:endParaRPr lang="nl-NL" dirty="0" smtClean="0">
-              <a:latin typeface="Comic Sans MS"/>
-              <a:cs typeface="Comic Sans MS"/>
-            </a:endParaRPr>
           </a:p>
           <a:p>
             <a:r>
@@ -7114,14 +7012,7 @@
                 <a:latin typeface="Comic Sans MS"/>
                 <a:cs typeface="Comic Sans MS"/>
               </a:rPr>
-              <a:t> </a:t>
-            </a:r>
-            <a:r>
-              <a:rPr lang="nl-NL" dirty="0" smtClean="0">
-                <a:latin typeface="Comic Sans MS"/>
-                <a:cs typeface="Comic Sans MS"/>
-              </a:rPr>
-              <a:t>to the opening at ‘</a:t>
+              <a:t> to the opening at ‘</a:t>
             </a:r>
             <a:r>
               <a:rPr lang="nl-NL" dirty="0" smtClean="0">
@@ -7390,7 +7281,7 @@
     </p:spTree>
     <p:extLst>
       <p:ext uri="{BB962C8B-B14F-4D97-AF65-F5344CB8AC3E}">
-        <p14:creationId xmlns:p14="http://schemas.microsoft.com/office/powerpoint/2010/main" xmlns="" val="2359528095"/>
+        <p14:creationId xmlns:p14="http://schemas.microsoft.com/office/powerpoint/2010/main" val="2359528095"/>
       </p:ext>
     </p:extLst>
   </p:cSld>
@@ -7400,7 +7291,7 @@
   <p:timing>
     <p:tnLst>
       <p:par>
-        <p:cTn id="1" dur="indefinite" restart="never" nodeType="tmRoot"/>
+        <p:cTn xmlns:p14="http://schemas.microsoft.com/office/powerpoint/2010/main" id="1" dur="indefinite" restart="never" nodeType="tmRoot"/>
       </p:par>
     </p:tnLst>
   </p:timing>
@@ -7426,22 +7317,21 @@
       </p:grpSpPr>
       <p:pic>
         <p:nvPicPr>
-          <p:cNvPr id="6" name="Picture 5"/>
+          <p:cNvPr id="8" name="Afbeelding 7"/>
           <p:cNvPicPr>
             <a:picLocks noChangeAspect="1"/>
           </p:cNvPicPr>
           <p:nvPr/>
         </p:nvPicPr>
-        <p:blipFill>
+        <p:blipFill rotWithShape="1">
           <a:blip r:embed="rId2"/>
-          <a:stretch>
-            <a:fillRect/>
-          </a:stretch>
+          <a:srcRect l="-4761" t="-8377" r="28594" b="-8377"/>
+          <a:stretch/>
         </p:blipFill>
         <p:spPr>
           <a:xfrm>
-            <a:off x="4321637" y="1533641"/>
-            <a:ext cx="4544171" cy="3487387"/>
+            <a:off x="4085400" y="1390952"/>
+            <a:ext cx="4935600" cy="3782841"/>
           </a:xfrm>
           <a:prstGeom prst="rect">
             <a:avLst/>
@@ -7620,10 +7510,6 @@
               </a:rPr>
               <a:t> to score a goal!</a:t>
             </a:r>
-            <a:endParaRPr lang="nl-NL" dirty="0" smtClean="0">
-              <a:latin typeface="Comic Sans MS"/>
-              <a:cs typeface="Comic Sans MS"/>
-            </a:endParaRPr>
           </a:p>
           <a:p>
             <a:endParaRPr lang="nl-NL" dirty="0">
@@ -7833,10 +7719,6 @@
               </a:rPr>
               <a:t>.</a:t>
             </a:r>
-            <a:endParaRPr lang="nl-NL" dirty="0" smtClean="0">
-              <a:latin typeface="Comic Sans MS"/>
-              <a:cs typeface="Comic Sans MS"/>
-            </a:endParaRPr>
           </a:p>
           <a:p>
             <a:endParaRPr lang="nl-NL" dirty="0">
@@ -8062,13 +7944,6 @@
               </a:rPr>
               <a:t>.</a:t>
             </a:r>
-            <a:endParaRPr lang="nl-NL" dirty="0" smtClean="0">
-              <a:solidFill>
-                <a:srgbClr val="501189"/>
-              </a:solidFill>
-              <a:latin typeface="Comic Sans MS"/>
-              <a:cs typeface="Comic Sans MS"/>
-            </a:endParaRPr>
           </a:p>
           <a:p>
             <a:endParaRPr lang="nl-NL" dirty="0">
@@ -8276,7 +8151,7 @@
         </p:nvSpPr>
         <p:spPr>
           <a:xfrm>
-            <a:off x="4648300" y="3798278"/>
+            <a:off x="4690630" y="3668019"/>
             <a:ext cx="2252380" cy="643094"/>
           </a:xfrm>
           <a:prstGeom prst="roundRect">
@@ -8477,7 +8352,7 @@
     </p:spTree>
     <p:extLst>
       <p:ext uri="{BB962C8B-B14F-4D97-AF65-F5344CB8AC3E}">
-        <p14:creationId xmlns:p14="http://schemas.microsoft.com/office/powerpoint/2010/main" xmlns="" val="3381852873"/>
+        <p14:creationId xmlns:p14="http://schemas.microsoft.com/office/powerpoint/2010/main" val="3381852873"/>
       </p:ext>
     </p:extLst>
   </p:cSld>
@@ -8487,7 +8362,7 @@
   <p:timing>
     <p:tnLst>
       <p:par>
-        <p:cTn id="1" dur="indefinite" restart="never" nodeType="tmRoot"/>
+        <p:cTn xmlns:p14="http://schemas.microsoft.com/office/powerpoint/2010/main" id="1" dur="indefinite" restart="never" nodeType="tmRoot"/>
       </p:par>
     </p:tnLst>
   </p:timing>
@@ -8678,14 +8553,7 @@
                 <a:latin typeface="Comic Sans MS"/>
                 <a:cs typeface="Comic Sans MS"/>
               </a:rPr>
-              <a:t>!</a:t>
-            </a:r>
-            <a:r>
-              <a:rPr lang="nl-NL" dirty="0" smtClean="0">
-                <a:latin typeface="Comic Sans MS"/>
-                <a:cs typeface="Comic Sans MS"/>
-              </a:rPr>
-              <a:t> </a:t>
+              <a:t>! </a:t>
             </a:r>
             <a:r>
               <a:rPr lang="nl-NL" dirty="0" err="1" smtClean="0">
@@ -8976,17 +8844,7 @@
                 <a:latin typeface="Comic Sans MS"/>
                 <a:cs typeface="Comic Sans MS"/>
               </a:rPr>
-              <a:t>’start </a:t>
-            </a:r>
-            <a:r>
-              <a:rPr lang="nl-NL" dirty="0" smtClean="0">
-                <a:solidFill>
-                  <a:srgbClr val="AC1AB9"/>
-                </a:solidFill>
-                <a:latin typeface="Comic Sans MS"/>
-                <a:cs typeface="Comic Sans MS"/>
-              </a:rPr>
-              <a:t>geluid’</a:t>
+              <a:t>’start geluid’</a:t>
             </a:r>
             <a:r>
               <a:rPr lang="nl-NL" dirty="0" smtClean="0">
@@ -9107,19 +8965,8 @@
                 <a:latin typeface="Comic Sans MS"/>
                 <a:cs typeface="Comic Sans MS"/>
               </a:rPr>
-              <a:t> 1</a:t>
-            </a:r>
-            <a:r>
-              <a:rPr lang="nl-NL" dirty="0" smtClean="0">
-                <a:latin typeface="Comic Sans MS"/>
-                <a:cs typeface="Comic Sans MS"/>
-              </a:rPr>
-              <a:t>.</a:t>
-            </a:r>
-            <a:endParaRPr lang="nl-NL" dirty="0" smtClean="0">
-              <a:latin typeface="Comic Sans MS"/>
-              <a:cs typeface="Comic Sans MS"/>
-            </a:endParaRPr>
+              <a:t> 1.</a:t>
+            </a:r>
           </a:p>
           <a:p>
             <a:endParaRPr lang="nl-NL" dirty="0">
@@ -9349,10 +9196,6 @@
               </a:rPr>
               <a:t>.</a:t>
             </a:r>
-            <a:endParaRPr lang="nl-NL" dirty="0" smtClean="0">
-              <a:latin typeface="Comic Sans MS"/>
-              <a:cs typeface="Comic Sans MS"/>
-            </a:endParaRPr>
           </a:p>
         </p:txBody>
       </p:sp>
@@ -9467,7 +9310,7 @@
     </p:spTree>
     <p:extLst>
       <p:ext uri="{BB962C8B-B14F-4D97-AF65-F5344CB8AC3E}">
-        <p14:creationId xmlns:p14="http://schemas.microsoft.com/office/powerpoint/2010/main" xmlns="" val="4145019459"/>
+        <p14:creationId xmlns:p14="http://schemas.microsoft.com/office/powerpoint/2010/main" val="4145019459"/>
       </p:ext>
     </p:extLst>
   </p:cSld>
@@ -9477,7 +9320,7 @@
   <p:timing>
     <p:tnLst>
       <p:par>
-        <p:cTn id="1" dur="indefinite" restart="never" nodeType="tmRoot"/>
+        <p:cTn xmlns:p14="http://schemas.microsoft.com/office/powerpoint/2010/main" id="1" dur="indefinite" restart="never" nodeType="tmRoot"/>
       </p:par>
     </p:tnLst>
   </p:timing>
@@ -9742,31 +9585,14 @@
                 <a:latin typeface="Comic Sans MS"/>
                 <a:cs typeface="Comic Sans MS"/>
               </a:rPr>
-              <a:t>’go to </a:t>
-            </a:r>
-            <a:r>
-              <a:rPr lang="nl-NL" dirty="0" smtClean="0">
-                <a:solidFill>
-                  <a:srgbClr val="3850CE"/>
-                </a:solidFill>
-                <a:latin typeface="Comic Sans MS"/>
-                <a:cs typeface="Comic Sans MS"/>
-              </a:rPr>
-              <a:t>x’</a:t>
-            </a:r>
-            <a:r>
-              <a:rPr lang="nl-NL" dirty="0" smtClean="0">
-                <a:latin typeface="Comic Sans MS"/>
-                <a:cs typeface="Comic Sans MS"/>
-              </a:rPr>
-              <a:t>. </a:t>
-            </a:r>
-            <a:r>
-              <a:rPr lang="nl-NL" dirty="0" smtClean="0">
-                <a:latin typeface="Comic Sans MS"/>
-                <a:cs typeface="Comic Sans MS"/>
-              </a:rPr>
-              <a:t>Do the </a:t>
+              <a:t>’go to x’</a:t>
+            </a:r>
+            <a:r>
+              <a:rPr lang="nl-NL" dirty="0" smtClean="0">
+                <a:latin typeface="Comic Sans MS"/>
+                <a:cs typeface="Comic Sans MS"/>
+              </a:rPr>
+              <a:t>. Do the </a:t>
             </a:r>
             <a:r>
               <a:rPr lang="nl-NL" dirty="0" err="1" smtClean="0">
@@ -9860,7 +9686,74 @@
                 <a:latin typeface="Comic Sans MS"/>
                 <a:cs typeface="Comic Sans MS"/>
               </a:rPr>
-              <a:t>’go to x</a:t>
+              <a:t>’go to x’ </a:t>
+            </a:r>
+            <a:r>
+              <a:rPr lang="nl-NL" dirty="0" smtClean="0">
+                <a:latin typeface="Comic Sans MS"/>
+                <a:cs typeface="Comic Sans MS"/>
+              </a:rPr>
+              <a:t>at </a:t>
+            </a:r>
+            <a:r>
+              <a:rPr lang="nl-NL" dirty="0" smtClean="0">
+                <a:solidFill>
+                  <a:srgbClr val="4BAF00"/>
+                </a:solidFill>
+                <a:latin typeface="Comic Sans MS"/>
+                <a:cs typeface="Comic Sans MS"/>
+              </a:rPr>
+              <a:t>‘</a:t>
+            </a:r>
+            <a:r>
+              <a:rPr lang="nl-NL" dirty="0" err="1" smtClean="0">
+                <a:solidFill>
+                  <a:srgbClr val="4BAF00"/>
+                </a:solidFill>
+                <a:latin typeface="Comic Sans MS"/>
+                <a:cs typeface="Comic Sans MS"/>
+              </a:rPr>
+              <a:t>pick</a:t>
+            </a:r>
+            <a:r>
+              <a:rPr lang="nl-NL" dirty="0" smtClean="0">
+                <a:solidFill>
+                  <a:srgbClr val="4BAF00"/>
+                </a:solidFill>
+                <a:latin typeface="Comic Sans MS"/>
+                <a:cs typeface="Comic Sans MS"/>
+              </a:rPr>
+              <a:t> random …’ </a:t>
+            </a:r>
+            <a:r>
+              <a:rPr lang="nl-NL" dirty="0" smtClean="0">
+                <a:latin typeface="Comic Sans MS"/>
+                <a:cs typeface="Comic Sans MS"/>
+              </a:rPr>
+              <a:t>-100 and 200.</a:t>
+            </a:r>
+          </a:p>
+          <a:p>
+            <a:r>
+              <a:rPr lang="nl-NL" dirty="0" smtClean="0">
+                <a:latin typeface="Comic Sans MS"/>
+                <a:cs typeface="Comic Sans MS"/>
+              </a:rPr>
+              <a:t>Enter </a:t>
+            </a:r>
+            <a:r>
+              <a:rPr lang="nl-NL" dirty="0" err="1" smtClean="0">
+                <a:latin typeface="Comic Sans MS"/>
+                <a:cs typeface="Comic Sans MS"/>
+              </a:rPr>
+              <a:t>for</a:t>
+            </a:r>
+            <a:r>
+              <a:rPr lang="nl-NL" dirty="0" smtClean="0">
+                <a:latin typeface="Comic Sans MS"/>
+                <a:cs typeface="Comic Sans MS"/>
+              </a:rPr>
+              <a:t> </a:t>
             </a:r>
             <a:r>
               <a:rPr lang="nl-NL" dirty="0" smtClean="0">
@@ -9870,7 +9763,27 @@
                 <a:latin typeface="Comic Sans MS"/>
                 <a:cs typeface="Comic Sans MS"/>
               </a:rPr>
-              <a:t>’ </a:t>
+              <a:t>’y</a:t>
+            </a:r>
+            <a:r>
+              <a:rPr lang="nl-NL" dirty="0">
+                <a:solidFill>
+                  <a:srgbClr val="3850CE"/>
+                </a:solidFill>
+                <a:latin typeface="Comic Sans MS"/>
+                <a:cs typeface="Comic Sans MS"/>
+              </a:rPr>
+              <a:t>’</a:t>
+            </a:r>
+            <a:r>
+              <a:rPr lang="nl-NL" dirty="0" smtClean="0">
+                <a:solidFill>
+                  <a:srgbClr val="501189"/>
+                </a:solidFill>
+                <a:latin typeface="Comic Sans MS"/>
+                <a:cs typeface="Comic Sans MS"/>
+              </a:rPr>
+              <a:t> </a:t>
             </a:r>
             <a:r>
               <a:rPr lang="nl-NL" dirty="0" smtClean="0">
@@ -9887,7 +9800,7 @@
                 <a:latin typeface="Comic Sans MS"/>
                 <a:cs typeface="Comic Sans MS"/>
               </a:rPr>
-              <a:t>‘</a:t>
+              <a:t>’</a:t>
             </a:r>
             <a:r>
               <a:rPr lang="nl-NL" dirty="0" err="1" smtClean="0">
@@ -9907,124 +9820,6 @@
                 <a:latin typeface="Comic Sans MS"/>
                 <a:cs typeface="Comic Sans MS"/>
               </a:rPr>
-              <a:t> random …</a:t>
-            </a:r>
-            <a:r>
-              <a:rPr lang="nl-NL" dirty="0" smtClean="0">
-                <a:solidFill>
-                  <a:srgbClr val="4BAF00"/>
-                </a:solidFill>
-                <a:latin typeface="Comic Sans MS"/>
-                <a:cs typeface="Comic Sans MS"/>
-              </a:rPr>
-              <a:t>’ </a:t>
-            </a:r>
-            <a:r>
-              <a:rPr lang="nl-NL" dirty="0" smtClean="0">
-                <a:latin typeface="Comic Sans MS"/>
-                <a:cs typeface="Comic Sans MS"/>
-              </a:rPr>
-              <a:t>-100 </a:t>
-            </a:r>
-            <a:r>
-              <a:rPr lang="nl-NL" dirty="0" smtClean="0">
-                <a:latin typeface="Comic Sans MS"/>
-                <a:cs typeface="Comic Sans MS"/>
-              </a:rPr>
-              <a:t>and 200.</a:t>
-            </a:r>
-            <a:endParaRPr lang="nl-NL" dirty="0" smtClean="0">
-              <a:latin typeface="Comic Sans MS"/>
-              <a:cs typeface="Comic Sans MS"/>
-            </a:endParaRPr>
-          </a:p>
-          <a:p>
-            <a:r>
-              <a:rPr lang="nl-NL" dirty="0" smtClean="0">
-                <a:latin typeface="Comic Sans MS"/>
-                <a:cs typeface="Comic Sans MS"/>
-              </a:rPr>
-              <a:t>Enter </a:t>
-            </a:r>
-            <a:r>
-              <a:rPr lang="nl-NL" dirty="0" err="1" smtClean="0">
-                <a:latin typeface="Comic Sans MS"/>
-                <a:cs typeface="Comic Sans MS"/>
-              </a:rPr>
-              <a:t>for</a:t>
-            </a:r>
-            <a:r>
-              <a:rPr lang="nl-NL" dirty="0" smtClean="0">
-                <a:latin typeface="Comic Sans MS"/>
-                <a:cs typeface="Comic Sans MS"/>
-              </a:rPr>
-              <a:t> </a:t>
-            </a:r>
-            <a:r>
-              <a:rPr lang="nl-NL" dirty="0" smtClean="0">
-                <a:solidFill>
-                  <a:srgbClr val="3850CE"/>
-                </a:solidFill>
-                <a:latin typeface="Comic Sans MS"/>
-                <a:cs typeface="Comic Sans MS"/>
-              </a:rPr>
-              <a:t>’y</a:t>
-            </a:r>
-            <a:r>
-              <a:rPr lang="nl-NL" dirty="0">
-                <a:solidFill>
-                  <a:srgbClr val="3850CE"/>
-                </a:solidFill>
-                <a:latin typeface="Comic Sans MS"/>
-                <a:cs typeface="Comic Sans MS"/>
-              </a:rPr>
-              <a:t>’</a:t>
-            </a:r>
-            <a:r>
-              <a:rPr lang="nl-NL" dirty="0" smtClean="0">
-                <a:solidFill>
-                  <a:srgbClr val="501189"/>
-                </a:solidFill>
-                <a:latin typeface="Comic Sans MS"/>
-                <a:cs typeface="Comic Sans MS"/>
-              </a:rPr>
-              <a:t> </a:t>
-            </a:r>
-            <a:r>
-              <a:rPr lang="nl-NL" dirty="0" smtClean="0">
-                <a:latin typeface="Comic Sans MS"/>
-                <a:cs typeface="Comic Sans MS"/>
-              </a:rPr>
-              <a:t>at </a:t>
-            </a:r>
-            <a:r>
-              <a:rPr lang="nl-NL" dirty="0" smtClean="0">
-                <a:solidFill>
-                  <a:srgbClr val="4BAF00"/>
-                </a:solidFill>
-                <a:latin typeface="Comic Sans MS"/>
-                <a:cs typeface="Comic Sans MS"/>
-              </a:rPr>
-              <a:t>’</a:t>
-            </a:r>
-            <a:r>
-              <a:rPr lang="nl-NL" dirty="0" err="1" smtClean="0">
-                <a:solidFill>
-                  <a:srgbClr val="4BAF00"/>
-                </a:solidFill>
-                <a:latin typeface="Comic Sans MS"/>
-                <a:cs typeface="Comic Sans MS"/>
-              </a:rPr>
-              <a:t>pick</a:t>
-            </a:r>
-            <a:r>
-              <a:rPr lang="nl-NL" dirty="0" smtClean="0">
-                <a:solidFill>
-                  <a:srgbClr val="4BAF00"/>
-                </a:solidFill>
-                <a:latin typeface="Comic Sans MS"/>
-                <a:cs typeface="Comic Sans MS"/>
-              </a:rPr>
               <a:t> random …’ </a:t>
             </a:r>
             <a:r>
@@ -10032,14 +9827,7 @@
                 <a:latin typeface="Comic Sans MS"/>
                 <a:cs typeface="Comic Sans MS"/>
               </a:rPr>
-              <a:t>-150 </a:t>
-            </a:r>
-            <a:r>
-              <a:rPr lang="nl-NL" dirty="0" smtClean="0">
-                <a:latin typeface="Comic Sans MS"/>
-                <a:cs typeface="Comic Sans MS"/>
-              </a:rPr>
-              <a:t>and 150. </a:t>
+              <a:t>-150 and 150. </a:t>
             </a:r>
             <a:r>
               <a:rPr lang="nl-NL" dirty="0" err="1" smtClean="0">
@@ -10320,7 +10108,7 @@
     </p:spTree>
     <p:extLst>
       <p:ext uri="{BB962C8B-B14F-4D97-AF65-F5344CB8AC3E}">
-        <p14:creationId xmlns:p14="http://schemas.microsoft.com/office/powerpoint/2010/main" xmlns="" val="4185544415"/>
+        <p14:creationId xmlns:p14="http://schemas.microsoft.com/office/powerpoint/2010/main" val="4185544415"/>
       </p:ext>
     </p:extLst>
   </p:cSld>
@@ -10330,7 +10118,7 @@
   <p:timing>
     <p:tnLst>
       <p:par>
-        <p:cTn id="1" dur="indefinite" restart="never" nodeType="tmRoot"/>
+        <p:cTn xmlns:p14="http://schemas.microsoft.com/office/powerpoint/2010/main" id="1" dur="indefinite" restart="never" nodeType="tmRoot"/>
       </p:par>
     </p:tnLst>
   </p:timing>
